--- a/Neuro/PD_MorphProfileScreening/Fig6/Raw data/WB_images.pptx
+++ b/Neuro/PD_MorphProfileScreening/Fig6/Raw data/WB_images.pptx
@@ -125,16 +125,24 @@
   <pc:docChgLst>
     <pc:chgData name="Johannes Wilbertz" userId="6e54bcd7-1976-4a50-be2c-b55f7e6fb628" providerId="ADAL" clId="{8ED23A59-41B6-491B-BCE6-3FE483B01392}"/>
     <pc:docChg chg="modSld">
-      <pc:chgData name="Johannes Wilbertz" userId="6e54bcd7-1976-4a50-be2c-b55f7e6fb628" providerId="ADAL" clId="{8ED23A59-41B6-491B-BCE6-3FE483B01392}" dt="2024-06-19T09:44:31.693" v="3" actId="208"/>
+      <pc:chgData name="Johannes Wilbertz" userId="6e54bcd7-1976-4a50-be2c-b55f7e6fb628" providerId="ADAL" clId="{8ED23A59-41B6-491B-BCE6-3FE483B01392}" dt="2024-09-04T15:47:13.223" v="22"/>
       <pc:docMkLst>
         <pc:docMk/>
       </pc:docMkLst>
       <pc:sldChg chg="delSp modSp mod">
-        <pc:chgData name="Johannes Wilbertz" userId="6e54bcd7-1976-4a50-be2c-b55f7e6fb628" providerId="ADAL" clId="{8ED23A59-41B6-491B-BCE6-3FE483B01392}" dt="2024-06-19T09:44:31.693" v="3" actId="208"/>
+        <pc:chgData name="Johannes Wilbertz" userId="6e54bcd7-1976-4a50-be2c-b55f7e6fb628" providerId="ADAL" clId="{8ED23A59-41B6-491B-BCE6-3FE483B01392}" dt="2024-09-04T15:47:13.223" v="22"/>
         <pc:sldMkLst>
           <pc:docMk/>
           <pc:sldMk cId="3631366473" sldId="256"/>
         </pc:sldMkLst>
+        <pc:spChg chg="del mod">
+          <ac:chgData name="Johannes Wilbertz" userId="6e54bcd7-1976-4a50-be2c-b55f7e6fb628" providerId="ADAL" clId="{8ED23A59-41B6-491B-BCE6-3FE483B01392}" dt="2024-09-04T15:47:13.222" v="20"/>
+          <ac:spMkLst>
+            <pc:docMk/>
+            <pc:sldMk cId="3631366473" sldId="256"/>
+            <ac:spMk id="14" creationId="{9AC75E73-D585-0E9D-F3F9-6E0F0C7830FE}"/>
+          </ac:spMkLst>
+        </pc:spChg>
         <pc:spChg chg="mod topLvl">
           <ac:chgData name="Johannes Wilbertz" userId="6e54bcd7-1976-4a50-be2c-b55f7e6fb628" providerId="ADAL" clId="{8ED23A59-41B6-491B-BCE6-3FE483B01392}" dt="2024-06-19T08:47:22.457" v="1" actId="165"/>
           <ac:spMkLst>
@@ -167,16 +175,16 @@
             <ac:spMk id="19" creationId="{2C612FA6-51B8-5A4E-1DD8-A21824127465}"/>
           </ac:spMkLst>
         </pc:spChg>
-        <pc:spChg chg="mod topLvl">
-          <ac:chgData name="Johannes Wilbertz" userId="6e54bcd7-1976-4a50-be2c-b55f7e6fb628" providerId="ADAL" clId="{8ED23A59-41B6-491B-BCE6-3FE483B01392}" dt="2024-06-19T08:47:22.457" v="1" actId="165"/>
+        <pc:spChg chg="del mod topLvl">
+          <ac:chgData name="Johannes Wilbertz" userId="6e54bcd7-1976-4a50-be2c-b55f7e6fb628" providerId="ADAL" clId="{8ED23A59-41B6-491B-BCE6-3FE483B01392}" dt="2024-09-04T15:47:13.218" v="12"/>
           <ac:spMkLst>
             <pc:docMk/>
             <pc:sldMk cId="3631366473" sldId="256"/>
             <ac:spMk id="20" creationId="{D212EDCA-91B2-F047-A722-C1CF5E57D810}"/>
           </ac:spMkLst>
         </pc:spChg>
-        <pc:spChg chg="mod topLvl">
-          <ac:chgData name="Johannes Wilbertz" userId="6e54bcd7-1976-4a50-be2c-b55f7e6fb628" providerId="ADAL" clId="{8ED23A59-41B6-491B-BCE6-3FE483B01392}" dt="2024-06-19T08:47:22.457" v="1" actId="165"/>
+        <pc:spChg chg="del mod topLvl">
+          <ac:chgData name="Johannes Wilbertz" userId="6e54bcd7-1976-4a50-be2c-b55f7e6fb628" providerId="ADAL" clId="{8ED23A59-41B6-491B-BCE6-3FE483B01392}" dt="2024-09-04T15:47:13.220" v="14"/>
           <ac:spMkLst>
             <pc:docMk/>
             <pc:sldMk cId="3631366473" sldId="256"/>
@@ -199,16 +207,16 @@
             <ac:spMk id="23" creationId="{BC94238C-D111-6938-CC19-25C90392E494}"/>
           </ac:spMkLst>
         </pc:spChg>
-        <pc:spChg chg="mod topLvl">
-          <ac:chgData name="Johannes Wilbertz" userId="6e54bcd7-1976-4a50-be2c-b55f7e6fb628" providerId="ADAL" clId="{8ED23A59-41B6-491B-BCE6-3FE483B01392}" dt="2024-06-19T08:47:22.457" v="1" actId="165"/>
+        <pc:spChg chg="del mod topLvl">
+          <ac:chgData name="Johannes Wilbertz" userId="6e54bcd7-1976-4a50-be2c-b55f7e6fb628" providerId="ADAL" clId="{8ED23A59-41B6-491B-BCE6-3FE483B01392}" dt="2024-09-04T15:47:13.220" v="16"/>
           <ac:spMkLst>
             <pc:docMk/>
             <pc:sldMk cId="3631366473" sldId="256"/>
             <ac:spMk id="24" creationId="{E64B14F9-71C2-F08E-14AC-F684C3E7FF22}"/>
           </ac:spMkLst>
         </pc:spChg>
-        <pc:spChg chg="mod topLvl">
-          <ac:chgData name="Johannes Wilbertz" userId="6e54bcd7-1976-4a50-be2c-b55f7e6fb628" providerId="ADAL" clId="{8ED23A59-41B6-491B-BCE6-3FE483B01392}" dt="2024-06-19T08:47:22.457" v="1" actId="165"/>
+        <pc:spChg chg="del mod topLvl">
+          <ac:chgData name="Johannes Wilbertz" userId="6e54bcd7-1976-4a50-be2c-b55f7e6fb628" providerId="ADAL" clId="{8ED23A59-41B6-491B-BCE6-3FE483B01392}" dt="2024-09-04T15:47:13.221" v="18"/>
           <ac:spMkLst>
             <pc:docMk/>
             <pc:sldMk cId="3631366473" sldId="256"/>
@@ -277,6 +285,14 @@
             <pc:docMk/>
             <pc:sldMk cId="3631366473" sldId="256"/>
             <ac:spMk id="34" creationId="{9772816A-D355-58E6-6A9C-C1F081A40A03}"/>
+          </ac:spMkLst>
+        </pc:spChg>
+        <pc:spChg chg="del mod">
+          <ac:chgData name="Johannes Wilbertz" userId="6e54bcd7-1976-4a50-be2c-b55f7e6fb628" providerId="ADAL" clId="{8ED23A59-41B6-491B-BCE6-3FE483B01392}" dt="2024-09-04T15:47:13.223" v="22"/>
+          <ac:spMkLst>
+            <pc:docMk/>
+            <pc:sldMk cId="3631366473" sldId="256"/>
+            <ac:spMk id="37" creationId="{C86DC2DF-7328-11B8-CDD7-3C694CB339E1}"/>
           </ac:spMkLst>
         </pc:spChg>
         <pc:grpChg chg="del mod topLvl">
@@ -496,7 +512,7 @@
           <a:p>
             <a:fld id="{70A85ACB-0764-410A-9CD3-1F7AAEB61186}" type="datetimeFigureOut">
               <a:rPr lang="en-US" smtClean="0"/>
-              <a:t>19-Jun-24</a:t>
+              <a:t>04-Sep-24</a:t>
             </a:fld>
             <a:endParaRPr lang="en-US"/>
           </a:p>
@@ -694,7 +710,7 @@
           <a:p>
             <a:fld id="{70A85ACB-0764-410A-9CD3-1F7AAEB61186}" type="datetimeFigureOut">
               <a:rPr lang="en-US" smtClean="0"/>
-              <a:t>19-Jun-24</a:t>
+              <a:t>04-Sep-24</a:t>
             </a:fld>
             <a:endParaRPr lang="en-US"/>
           </a:p>
@@ -902,7 +918,7 @@
           <a:p>
             <a:fld id="{70A85ACB-0764-410A-9CD3-1F7AAEB61186}" type="datetimeFigureOut">
               <a:rPr lang="en-US" smtClean="0"/>
-              <a:t>19-Jun-24</a:t>
+              <a:t>04-Sep-24</a:t>
             </a:fld>
             <a:endParaRPr lang="en-US"/>
           </a:p>
@@ -1100,7 +1116,7 @@
           <a:p>
             <a:fld id="{70A85ACB-0764-410A-9CD3-1F7AAEB61186}" type="datetimeFigureOut">
               <a:rPr lang="en-US" smtClean="0"/>
-              <a:t>19-Jun-24</a:t>
+              <a:t>04-Sep-24</a:t>
             </a:fld>
             <a:endParaRPr lang="en-US"/>
           </a:p>
@@ -1375,7 +1391,7 @@
           <a:p>
             <a:fld id="{70A85ACB-0764-410A-9CD3-1F7AAEB61186}" type="datetimeFigureOut">
               <a:rPr lang="en-US" smtClean="0"/>
-              <a:t>19-Jun-24</a:t>
+              <a:t>04-Sep-24</a:t>
             </a:fld>
             <a:endParaRPr lang="en-US"/>
           </a:p>
@@ -1640,7 +1656,7 @@
           <a:p>
             <a:fld id="{70A85ACB-0764-410A-9CD3-1F7AAEB61186}" type="datetimeFigureOut">
               <a:rPr lang="en-US" smtClean="0"/>
-              <a:t>19-Jun-24</a:t>
+              <a:t>04-Sep-24</a:t>
             </a:fld>
             <a:endParaRPr lang="en-US"/>
           </a:p>
@@ -2052,7 +2068,7 @@
           <a:p>
             <a:fld id="{70A85ACB-0764-410A-9CD3-1F7AAEB61186}" type="datetimeFigureOut">
               <a:rPr lang="en-US" smtClean="0"/>
-              <a:t>19-Jun-24</a:t>
+              <a:t>04-Sep-24</a:t>
             </a:fld>
             <a:endParaRPr lang="en-US"/>
           </a:p>
@@ -2193,7 +2209,7 @@
           <a:p>
             <a:fld id="{70A85ACB-0764-410A-9CD3-1F7AAEB61186}" type="datetimeFigureOut">
               <a:rPr lang="en-US" smtClean="0"/>
-              <a:t>19-Jun-24</a:t>
+              <a:t>04-Sep-24</a:t>
             </a:fld>
             <a:endParaRPr lang="en-US"/>
           </a:p>
@@ -2306,7 +2322,7 @@
           <a:p>
             <a:fld id="{70A85ACB-0764-410A-9CD3-1F7AAEB61186}" type="datetimeFigureOut">
               <a:rPr lang="en-US" smtClean="0"/>
-              <a:t>19-Jun-24</a:t>
+              <a:t>04-Sep-24</a:t>
             </a:fld>
             <a:endParaRPr lang="en-US"/>
           </a:p>
@@ -2617,7 +2633,7 @@
           <a:p>
             <a:fld id="{70A85ACB-0764-410A-9CD3-1F7AAEB61186}" type="datetimeFigureOut">
               <a:rPr lang="en-US" smtClean="0"/>
-              <a:t>19-Jun-24</a:t>
+              <a:t>04-Sep-24</a:t>
             </a:fld>
             <a:endParaRPr lang="en-US"/>
           </a:p>
@@ -2905,7 +2921,7 @@
           <a:p>
             <a:fld id="{70A85ACB-0764-410A-9CD3-1F7AAEB61186}" type="datetimeFigureOut">
               <a:rPr lang="en-US" smtClean="0"/>
-              <a:t>19-Jun-24</a:t>
+              <a:t>04-Sep-24</a:t>
             </a:fld>
             <a:endParaRPr lang="en-US"/>
           </a:p>
@@ -3146,7 +3162,7 @@
           <a:p>
             <a:fld id="{70A85ACB-0764-410A-9CD3-1F7AAEB61186}" type="datetimeFigureOut">
               <a:rPr lang="en-US" smtClean="0"/>
-              <a:t>19-Jun-24</a:t>
+              <a:t>04-Sep-24</a:t>
             </a:fld>
             <a:endParaRPr lang="en-US"/>
           </a:p>
@@ -3971,10 +3987,10 @@
       </p:sp>
       <p:sp>
         <p:nvSpPr>
-          <p:cNvPr id="20" name="TextBox 19">
-            <a:extLst>
-              <a:ext uri="{FF2B5EF4-FFF2-40B4-BE49-F238E27FC236}">
-                <a16:creationId xmlns:a16="http://schemas.microsoft.com/office/drawing/2014/main" id="{D212EDCA-91B2-F047-A722-C1CF5E57D810}"/>
+          <p:cNvPr id="22" name="TextBox 21">
+            <a:extLst>
+              <a:ext uri="{FF2B5EF4-FFF2-40B4-BE49-F238E27FC236}">
+                <a16:creationId xmlns:a16="http://schemas.microsoft.com/office/drawing/2014/main" id="{05FDC069-1279-3046-0B7E-BC5B7C715495}"/>
               </a:ext>
             </a:extLst>
           </p:cNvPr>
@@ -3983,7 +3999,7 @@
         </p:nvSpPr>
         <p:spPr>
           <a:xfrm rot="16200000">
-            <a:off x="1297171" y="2161214"/>
+            <a:off x="2143162" y="2169360"/>
             <a:ext cx="1034191" cy="276999"/>
           </a:xfrm>
           <a:prstGeom prst="rect">
@@ -3998,8 +4014,20 @@
           <a:lstStyle/>
           <a:p>
             <a:r>
+              <a:rPr lang="el-GR" sz="1200" dirty="0"/>
+              <a:t>Τ</a:t>
+            </a:r>
+            <a:r>
+              <a:rPr lang="fr-LU" sz="1200" dirty="0" err="1"/>
+              <a:t>yr</a:t>
+            </a:r>
+            <a:r>
+              <a:rPr lang="el-GR" sz="1200" dirty="0"/>
+              <a:t>Α9</a:t>
+            </a:r>
+            <a:r>
               <a:rPr lang="en-US" sz="1200" dirty="0"/>
-              <a:t>TIC10 2.5</a:t>
+              <a:t> 2.5</a:t>
             </a:r>
             <a:r>
               <a:rPr lang="el-GR" sz="1200" dirty="0"/>
@@ -4011,10 +4039,10 @@
       </p:sp>
       <p:sp>
         <p:nvSpPr>
-          <p:cNvPr id="21" name="TextBox 20">
-            <a:extLst>
-              <a:ext uri="{FF2B5EF4-FFF2-40B4-BE49-F238E27FC236}">
-                <a16:creationId xmlns:a16="http://schemas.microsoft.com/office/drawing/2014/main" id="{EF76DE40-9A3A-B367-C4BF-4C17B0AEA642}"/>
+          <p:cNvPr id="23" name="TextBox 22">
+            <a:extLst>
+              <a:ext uri="{FF2B5EF4-FFF2-40B4-BE49-F238E27FC236}">
+                <a16:creationId xmlns:a16="http://schemas.microsoft.com/office/drawing/2014/main" id="{BC94238C-D111-6938-CC19-25C90392E494}"/>
               </a:ext>
             </a:extLst>
           </p:cNvPr>
@@ -4023,7 +4051,7 @@
         </p:nvSpPr>
         <p:spPr>
           <a:xfrm rot="16200000">
-            <a:off x="1744456" y="2161213"/>
+            <a:off x="2590447" y="2162665"/>
             <a:ext cx="1034191" cy="276999"/>
           </a:xfrm>
           <a:prstGeom prst="rect">
@@ -4038,46 +4066,6 @@
           <a:lstStyle/>
           <a:p>
             <a:r>
-              <a:rPr lang="en-US" sz="1200" dirty="0"/>
-              <a:t>TIC10 </a:t>
-            </a:r>
-            <a:r>
-              <a:rPr lang="el-GR" sz="1200" dirty="0"/>
-              <a:t>1μΜ</a:t>
-            </a:r>
-            <a:endParaRPr lang="en-US" dirty="0"/>
-          </a:p>
-        </p:txBody>
-      </p:sp>
-      <p:sp>
-        <p:nvSpPr>
-          <p:cNvPr id="22" name="TextBox 21">
-            <a:extLst>
-              <a:ext uri="{FF2B5EF4-FFF2-40B4-BE49-F238E27FC236}">
-                <a16:creationId xmlns:a16="http://schemas.microsoft.com/office/drawing/2014/main" id="{05FDC069-1279-3046-0B7E-BC5B7C715495}"/>
-              </a:ext>
-            </a:extLst>
-          </p:cNvPr>
-          <p:cNvSpPr txBox="1"/>
-          <p:nvPr/>
-        </p:nvSpPr>
-        <p:spPr>
-          <a:xfrm rot="16200000">
-            <a:off x="2143162" y="2169360"/>
-            <a:ext cx="1034191" cy="276999"/>
-          </a:xfrm>
-          <a:prstGeom prst="rect">
-            <a:avLst/>
-          </a:prstGeom>
-          <a:noFill/>
-        </p:spPr>
-        <p:txBody>
-          <a:bodyPr wrap="square" rtlCol="0">
-            <a:spAutoFit/>
-          </a:bodyPr>
-          <a:lstStyle/>
-          <a:p>
-            <a:r>
               <a:rPr lang="el-GR" sz="1200" dirty="0"/>
               <a:t>Τ</a:t>
             </a:r>
@@ -4091,143 +4079,11 @@
             </a:r>
             <a:r>
               <a:rPr lang="en-US" sz="1200" dirty="0"/>
-              <a:t> 2.5</a:t>
-            </a:r>
-            <a:r>
-              <a:rPr lang="el-GR" sz="1200" dirty="0"/>
-              <a:t>μΜ</a:t>
-            </a:r>
-            <a:endParaRPr lang="en-US" dirty="0"/>
-          </a:p>
-        </p:txBody>
-      </p:sp>
-      <p:sp>
-        <p:nvSpPr>
-          <p:cNvPr id="23" name="TextBox 22">
-            <a:extLst>
-              <a:ext uri="{FF2B5EF4-FFF2-40B4-BE49-F238E27FC236}">
-                <a16:creationId xmlns:a16="http://schemas.microsoft.com/office/drawing/2014/main" id="{BC94238C-D111-6938-CC19-25C90392E494}"/>
-              </a:ext>
-            </a:extLst>
-          </p:cNvPr>
-          <p:cNvSpPr txBox="1"/>
-          <p:nvPr/>
-        </p:nvSpPr>
-        <p:spPr>
-          <a:xfrm rot="16200000">
-            <a:off x="2590447" y="2162665"/>
-            <a:ext cx="1034191" cy="276999"/>
-          </a:xfrm>
-          <a:prstGeom prst="rect">
-            <a:avLst/>
-          </a:prstGeom>
-          <a:noFill/>
-        </p:spPr>
-        <p:txBody>
-          <a:bodyPr wrap="square" rtlCol="0">
-            <a:spAutoFit/>
-          </a:bodyPr>
-          <a:lstStyle/>
-          <a:p>
-            <a:r>
-              <a:rPr lang="el-GR" sz="1200" dirty="0"/>
-              <a:t>Τ</a:t>
-            </a:r>
-            <a:r>
-              <a:rPr lang="fr-LU" sz="1200" dirty="0" err="1"/>
-              <a:t>yr</a:t>
-            </a:r>
-            <a:r>
-              <a:rPr lang="el-GR" sz="1200" dirty="0"/>
-              <a:t>Α9</a:t>
-            </a:r>
-            <a:r>
-              <a:rPr lang="en-US" sz="1200" dirty="0"/>
               <a:t> </a:t>
             </a:r>
             <a:r>
               <a:rPr lang="el-GR" sz="1200" dirty="0"/>
               <a:t>0.3μΜ</a:t>
-            </a:r>
-            <a:endParaRPr lang="en-US" dirty="0"/>
-          </a:p>
-        </p:txBody>
-      </p:sp>
-      <p:sp>
-        <p:nvSpPr>
-          <p:cNvPr id="24" name="TextBox 23">
-            <a:extLst>
-              <a:ext uri="{FF2B5EF4-FFF2-40B4-BE49-F238E27FC236}">
-                <a16:creationId xmlns:a16="http://schemas.microsoft.com/office/drawing/2014/main" id="{E64B14F9-71C2-F08E-14AC-F684C3E7FF22}"/>
-              </a:ext>
-            </a:extLst>
-          </p:cNvPr>
-          <p:cNvSpPr txBox="1"/>
-          <p:nvPr/>
-        </p:nvSpPr>
-        <p:spPr>
-          <a:xfrm rot="16200000">
-            <a:off x="4919592" y="2153755"/>
-            <a:ext cx="1034191" cy="276999"/>
-          </a:xfrm>
-          <a:prstGeom prst="rect">
-            <a:avLst/>
-          </a:prstGeom>
-          <a:noFill/>
-        </p:spPr>
-        <p:txBody>
-          <a:bodyPr wrap="square" rtlCol="0">
-            <a:spAutoFit/>
-          </a:bodyPr>
-          <a:lstStyle/>
-          <a:p>
-            <a:r>
-              <a:rPr lang="en-US" sz="1200" dirty="0"/>
-              <a:t>TIC10 2.5</a:t>
-            </a:r>
-            <a:r>
-              <a:rPr lang="el-GR" sz="1200" dirty="0"/>
-              <a:t>μΜ</a:t>
-            </a:r>
-            <a:endParaRPr lang="en-US" dirty="0"/>
-          </a:p>
-        </p:txBody>
-      </p:sp>
-      <p:sp>
-        <p:nvSpPr>
-          <p:cNvPr id="25" name="TextBox 24">
-            <a:extLst>
-              <a:ext uri="{FF2B5EF4-FFF2-40B4-BE49-F238E27FC236}">
-                <a16:creationId xmlns:a16="http://schemas.microsoft.com/office/drawing/2014/main" id="{0CD35A11-CA3B-104E-EFD1-1B906EF76177}"/>
-              </a:ext>
-            </a:extLst>
-          </p:cNvPr>
-          <p:cNvSpPr txBox="1"/>
-          <p:nvPr/>
-        </p:nvSpPr>
-        <p:spPr>
-          <a:xfrm rot="16200000">
-            <a:off x="5366877" y="2153754"/>
-            <a:ext cx="1034191" cy="276999"/>
-          </a:xfrm>
-          <a:prstGeom prst="rect">
-            <a:avLst/>
-          </a:prstGeom>
-          <a:noFill/>
-        </p:spPr>
-        <p:txBody>
-          <a:bodyPr wrap="square" rtlCol="0">
-            <a:spAutoFit/>
-          </a:bodyPr>
-          <a:lstStyle/>
-          <a:p>
-            <a:r>
-              <a:rPr lang="en-US" sz="1200" dirty="0"/>
-              <a:t>TIC10 </a:t>
-            </a:r>
-            <a:r>
-              <a:rPr lang="el-GR" sz="1200" dirty="0"/>
-              <a:t>1μΜ</a:t>
             </a:r>
             <a:endParaRPr lang="en-US" dirty="0"/>
           </a:p>
@@ -4858,78 +4714,6 @@
             <a:r>
               <a:rPr lang="fr-LU" dirty="0"/>
               <a:t>Prostatin</a:t>
-            </a:r>
-            <a:endParaRPr lang="en-US" dirty="0"/>
-          </a:p>
-        </p:txBody>
-      </p:sp>
-      <p:sp>
-        <p:nvSpPr>
-          <p:cNvPr id="14" name="TextBox 13">
-            <a:extLst>
-              <a:ext uri="{FF2B5EF4-FFF2-40B4-BE49-F238E27FC236}">
-                <a16:creationId xmlns:a16="http://schemas.microsoft.com/office/drawing/2014/main" id="{9AC75E73-D585-0E9D-F3F9-6E0F0C7830FE}"/>
-              </a:ext>
-            </a:extLst>
-          </p:cNvPr>
-          <p:cNvSpPr txBox="1"/>
-          <p:nvPr/>
-        </p:nvSpPr>
-        <p:spPr>
-          <a:xfrm rot="19426899">
-            <a:off x="9130922" y="1513744"/>
-            <a:ext cx="1555269" cy="369332"/>
-          </a:xfrm>
-          <a:prstGeom prst="rect">
-            <a:avLst/>
-          </a:prstGeom>
-          <a:noFill/>
-        </p:spPr>
-        <p:txBody>
-          <a:bodyPr wrap="square" rtlCol="0">
-            <a:spAutoFit/>
-          </a:bodyPr>
-          <a:lstStyle/>
-          <a:p>
-            <a:r>
-              <a:rPr lang="fr-LU" dirty="0"/>
-              <a:t>TIC10 2.5uM</a:t>
-            </a:r>
-            <a:endParaRPr lang="en-US" dirty="0"/>
-          </a:p>
-        </p:txBody>
-      </p:sp>
-      <p:sp>
-        <p:nvSpPr>
-          <p:cNvPr id="37" name="TextBox 36">
-            <a:extLst>
-              <a:ext uri="{FF2B5EF4-FFF2-40B4-BE49-F238E27FC236}">
-                <a16:creationId xmlns:a16="http://schemas.microsoft.com/office/drawing/2014/main" id="{C86DC2DF-7328-11B8-CDD7-3C694CB339E1}"/>
-              </a:ext>
-            </a:extLst>
-          </p:cNvPr>
-          <p:cNvSpPr txBox="1"/>
-          <p:nvPr/>
-        </p:nvSpPr>
-        <p:spPr>
-          <a:xfrm rot="19426899">
-            <a:off x="9867406" y="1526059"/>
-            <a:ext cx="1555269" cy="369332"/>
-          </a:xfrm>
-          <a:prstGeom prst="rect">
-            <a:avLst/>
-          </a:prstGeom>
-          <a:noFill/>
-        </p:spPr>
-        <p:txBody>
-          <a:bodyPr wrap="square" rtlCol="0">
-            <a:spAutoFit/>
-          </a:bodyPr>
-          <a:lstStyle/>
-          <a:p>
-            <a:r>
-              <a:rPr lang="fr-LU" dirty="0"/>
-              <a:t>TIC10 1uM</a:t>
             </a:r>
             <a:endParaRPr lang="en-US" dirty="0"/>
           </a:p>
